--- a/lecture_2/presentation/lecture_2.pptx
+++ b/lecture_2/presentation/lecture_2.pptx
@@ -243,7 +243,7 @@
           <a:p>
             <a:fld id="{8CCD710B-DBEB-48B9-BE37-6CC35DC50D83}" type="datetimeFigureOut">
               <a:rPr lang="ru-RU" smtClean="0"/>
-              <a:t>25.01.2018</a:t>
+              <a:t>29.01.2018</a:t>
             </a:fld>
             <a:endParaRPr lang="ru-RU"/>
           </a:p>
@@ -408,7 +408,7 @@
           <a:p>
             <a:fld id="{599FBC4C-1749-4424-9522-1B6D127EF272}" type="datetimeFigureOut">
               <a:rPr lang="ru-RU" smtClean="0"/>
-              <a:t>25.01.2018</a:t>
+              <a:t>29.01.2018</a:t>
             </a:fld>
             <a:endParaRPr lang="ru-RU" dirty="0"/>
           </a:p>
@@ -5128,16 +5128,7 @@
                           </a:solidFill>
                           <a:latin typeface="Trebuchet MS" panose="020B0603020202020204" pitchFamily="34" charset="0"/>
                         </a:rPr>
-                        <a:t>Convert to </a:t>
-                      </a:r>
-                      <a:r>
-                        <a:rPr lang="en-US" sz="2000" b="0" dirty="0" smtClean="0">
-                          <a:solidFill>
-                            <a:schemeClr val="tx1"/>
-                          </a:solidFill>
-                          <a:latin typeface="Trebuchet MS" panose="020B0603020202020204" pitchFamily="34" charset="0"/>
-                        </a:rPr>
-                        <a:t>n binary</a:t>
+                        <a:t>Convert to n binary</a:t>
                       </a:r>
                       <a:r>
                         <a:rPr lang="en-US" sz="2000" b="0" baseline="0" dirty="0" smtClean="0">
@@ -5266,16 +5257,7 @@
                           </a:solidFill>
                           <a:latin typeface="Trebuchet MS" panose="020B0603020202020204" pitchFamily="34" charset="0"/>
                         </a:rPr>
-                        <a:t> it to </a:t>
-                      </a:r>
-                      <a:r>
-                        <a:rPr lang="en-US" sz="2000" b="0" i="1" baseline="0" dirty="0" smtClean="0">
-                          <a:solidFill>
-                            <a:schemeClr val="tx1"/>
-                          </a:solidFill>
-                          <a:latin typeface="Trebuchet MS" panose="020B0603020202020204" pitchFamily="34" charset="0"/>
-                        </a:rPr>
-                        <a:t>n binary </a:t>
+                        <a:t> it to n binary </a:t>
                       </a:r>
                       <a:r>
                         <a:rPr lang="en-US" sz="2000" b="0" i="1" baseline="0" smtClean="0">
@@ -7269,7 +7251,7 @@
           <a:p>
             <a:r>
               <a:rPr lang="en-US" dirty="0" err="1" smtClean="0"/>
-              <a:t>classification_titanic.jpynb</a:t>
+              <a:t>classification_titanic.ipynb</a:t>
             </a:r>
             <a:endParaRPr lang="ru-RU" dirty="0"/>
           </a:p>
@@ -10339,7 +10321,7 @@
                   <a:srgbClr val="FF0000"/>
                 </a:solidFill>
               </a:rPr>
-              <a:t>regression.jpynb</a:t>
+              <a:t>regression.ipynb</a:t>
             </a:r>
             <a:endParaRPr lang="en-US" sz="2400" i="1" dirty="0" smtClean="0">
               <a:solidFill>

--- a/lecture_2/presentation/lecture_2.pptx
+++ b/lecture_2/presentation/lecture_2.pptx
@@ -19633,7 +19633,7 @@
           </a:lstStyle>
           <a:p>
             <a:r>
-              <a:rPr lang="en-US" sz="3000" b="1" smtClean="0"/>
+              <a:rPr lang="en-US" sz="3000" b="1" dirty="0" smtClean="0"/>
               <a:t>Chose the best model </a:t>
             </a:r>
             <a:endParaRPr lang="en-US" altLang="be-BY" sz="3000" b="1" dirty="0"/>
@@ -24565,7 +24565,7 @@
         </p:nvGraphicFramePr>
         <p:xfrm>
           <a:off x="354542" y="1914593"/>
-          <a:ext cx="8534399" cy="913130"/>
+          <a:ext cx="8534399" cy="872618"/>
         </p:xfrm>
         <a:graphic>
           <a:graphicData uri="http://schemas.openxmlformats.org/drawingml/2006/table">
@@ -26133,7 +26133,7 @@
         </p:nvGraphicFramePr>
         <p:xfrm>
           <a:off x="3093511" y="2040498"/>
-          <a:ext cx="5864224" cy="1095312"/>
+          <a:ext cx="5864224" cy="1083691"/>
         </p:xfrm>
         <a:graphic>
           <a:graphicData uri="http://schemas.openxmlformats.org/drawingml/2006/table">
@@ -28141,7 +28141,7 @@
                   <a:srgbClr val="FF0000"/>
                 </a:solidFill>
               </a:rPr>
-              <a:t>classification_titanic.jpynb</a:t>
+              <a:t>classification_titanic_simple.jpynb</a:t>
             </a:r>
             <a:endParaRPr lang="en-US" sz="2400" i="1" dirty="0">
               <a:solidFill>
@@ -29883,7 +29883,7 @@
         </p:nvSpPr>
         <p:spPr>
           <a:xfrm>
-            <a:off x="838200" y="2036320"/>
+            <a:off x="838200" y="1809858"/>
             <a:ext cx="7795428" cy="3541235"/>
           </a:xfrm>
           <a:prstGeom prst="rect">
@@ -30077,16 +30077,47 @@
             <a:pPr marL="457200" lvl="1" indent="0">
               <a:buNone/>
             </a:pPr>
-            <a:endParaRPr lang="en-US" sz="2000" dirty="0"/>
+            <a:r>
+              <a:rPr lang="en-US" sz="2000" i="1" dirty="0">
+                <a:solidFill>
+                  <a:srgbClr val="FF0000"/>
+                </a:solidFill>
+              </a:rPr>
+              <a:t>example in </a:t>
+            </a:r>
+            <a:r>
+              <a:rPr lang="en-US" sz="2000" i="1" smtClean="0">
+                <a:solidFill>
+                  <a:srgbClr val="FF0000"/>
+                </a:solidFill>
+              </a:rPr>
+              <a:t>mclass_classification.jpynb</a:t>
+            </a:r>
+            <a:endParaRPr lang="en-US" sz="2000" i="1" dirty="0">
+              <a:solidFill>
+                <a:srgbClr val="FF0000"/>
+              </a:solidFill>
+            </a:endParaRPr>
           </a:p>
           <a:p>
             <a:pPr lvl="1">
               <a:buFont typeface="Wingdings" panose="05000000000000000000" pitchFamily="2" charset="2"/>
               <a:buChar char="§"/>
             </a:pPr>
+            <a:endParaRPr lang="en-US" sz="1000" dirty="0" smtClean="0"/>
+          </a:p>
+          <a:p>
+            <a:pPr lvl="1">
+              <a:buFont typeface="Wingdings" panose="05000000000000000000" pitchFamily="2" charset="2"/>
+              <a:buChar char="§"/>
+            </a:pPr>
+            <a:r>
+              <a:rPr lang="en-US" dirty="0" smtClean="0"/>
+              <a:t>One </a:t>
+            </a:r>
             <a:r>
               <a:rPr lang="en-US" dirty="0"/>
-              <a:t>One vs. All </a:t>
+              <a:t>vs. All </a:t>
             </a:r>
           </a:p>
           <a:p>

--- a/lecture_2/presentation/lecture_2.pptx
+++ b/lecture_2/presentation/lecture_2.pptx
@@ -252,7 +252,7 @@
           <a:p>
             <a:fld id="{8CCD710B-DBEB-48B9-BE37-6CC35DC50D83}" type="datetimeFigureOut">
               <a:rPr lang="ru-RU" smtClean="0"/>
-              <a:t>01.02.2018</a:t>
+              <a:t>02.02.2018</a:t>
             </a:fld>
             <a:endParaRPr lang="ru-RU"/>
           </a:p>
@@ -417,7 +417,7 @@
           <a:p>
             <a:fld id="{599FBC4C-1749-4424-9522-1B6D127EF272}" type="datetimeFigureOut">
               <a:rPr lang="ru-RU" smtClean="0"/>
-              <a:t>01.02.2018</a:t>
+              <a:t>02.02.2018</a:t>
             </a:fld>
             <a:endParaRPr lang="ru-RU" dirty="0"/>
           </a:p>
@@ -28141,7 +28141,7 @@
                   <a:srgbClr val="FF0000"/>
                 </a:solidFill>
               </a:rPr>
-              <a:t>classification_titanic_simple.jpynb</a:t>
+              <a:t>classification_titanic_simple.ipynb</a:t>
             </a:r>
             <a:endParaRPr lang="en-US" sz="2400" i="1" dirty="0">
               <a:solidFill>
@@ -30086,12 +30086,12 @@
               <a:t>example in </a:t>
             </a:r>
             <a:r>
-              <a:rPr lang="en-US" sz="2000" i="1" smtClean="0">
+              <a:rPr lang="en-US" sz="2000" i="1" dirty="0" err="1" smtClean="0">
                 <a:solidFill>
                   <a:srgbClr val="FF0000"/>
                 </a:solidFill>
               </a:rPr>
-              <a:t>mclass_classification.jpynb</a:t>
+              <a:t>mclass_classification.ipynb</a:t>
             </a:r>
             <a:endParaRPr lang="en-US" sz="2000" i="1" dirty="0">
               <a:solidFill>

--- a/lecture_2/presentation/lecture_2.pptx
+++ b/lecture_2/presentation/lecture_2.pptx
@@ -252,7 +252,7 @@
           <a:p>
             <a:fld id="{8CCD710B-DBEB-48B9-BE37-6CC35DC50D83}" type="datetimeFigureOut">
               <a:rPr lang="ru-RU" smtClean="0"/>
-              <a:t>02.02.2018</a:t>
+              <a:t>07.02.2018</a:t>
             </a:fld>
             <a:endParaRPr lang="ru-RU"/>
           </a:p>
@@ -417,7 +417,7 @@
           <a:p>
             <a:fld id="{599FBC4C-1749-4424-9522-1B6D127EF272}" type="datetimeFigureOut">
               <a:rPr lang="ru-RU" smtClean="0"/>
-              <a:t>02.02.2018</a:t>
+              <a:t>07.02.2018</a:t>
             </a:fld>
             <a:endParaRPr lang="ru-RU" dirty="0"/>
           </a:p>
@@ -28510,7 +28510,7 @@
             <p:ph idx="1"/>
             <p:extLst>
               <p:ext uri="{D42A27DB-BD31-4B8C-83A1-F6EECF244321}">
-                <p14:modId xmlns:p14="http://schemas.microsoft.com/office/powerpoint/2010/main" val="1974898742"/>
+                <p14:modId xmlns:p14="http://schemas.microsoft.com/office/powerpoint/2010/main" val="182881024"/>
               </p:ext>
             </p:extLst>
           </p:nvPr>
@@ -29213,70 +29213,17 @@
                     <a:lstStyle/>
                     <a:p>
                       <a:pPr marL="0" algn="ctr" defTabSz="914400" rtl="0" eaLnBrk="1" latinLnBrk="0" hangingPunct="1"/>
-                      <a:endParaRPr lang="ru-RU" sz="2400" b="0" i="1" kern="1200">
-                        <a:solidFill>
-                          <a:schemeClr val="dk1"/>
-                        </a:solidFill>
-                        <a:latin typeface="Trebuchet MS" panose="020B0603020202020204" pitchFamily="34" charset="0"/>
-                        <a:ea typeface="+mn-ea"/>
-                        <a:cs typeface="+mn-cs"/>
-                      </a:endParaRPr>
-                    </a:p>
-                  </a:txBody>
-                  <a:tcPr marL="68580" marR="68580" marT="34290" marB="34290">
-                    <a:lnL w="12700" cap="flat" cmpd="sng" algn="ctr">
-                      <a:solidFill>
-                        <a:schemeClr val="tx1"/>
-                      </a:solidFill>
-                      <a:prstDash val="solid"/>
-                      <a:round/>
-                      <a:headEnd type="none" w="med" len="med"/>
-                      <a:tailEnd type="none" w="med" len="med"/>
-                    </a:lnL>
-                    <a:lnR w="12700" cap="flat" cmpd="sng" algn="ctr">
-                      <a:solidFill>
-                        <a:schemeClr val="tx1"/>
-                      </a:solidFill>
-                      <a:prstDash val="solid"/>
-                      <a:round/>
-                      <a:headEnd type="none" w="med" len="med"/>
-                      <a:tailEnd type="none" w="med" len="med"/>
-                    </a:lnR>
-                    <a:lnT w="12700" cap="flat" cmpd="sng" algn="ctr">
-                      <a:solidFill>
-                        <a:schemeClr val="tx1"/>
-                      </a:solidFill>
-                      <a:prstDash val="solid"/>
-                      <a:round/>
-                      <a:headEnd type="none" w="med" len="med"/>
-                      <a:tailEnd type="none" w="med" len="med"/>
-                    </a:lnT>
-                    <a:lnB w="12700" cap="flat" cmpd="sng" algn="ctr">
-                      <a:solidFill>
-                        <a:schemeClr val="tx1"/>
-                      </a:solidFill>
-                      <a:prstDash val="solid"/>
-                      <a:round/>
-                      <a:headEnd type="none" w="med" len="med"/>
-                      <a:tailEnd type="none" w="med" len="med"/>
-                    </a:lnB>
-                    <a:lnTlToBr w="12700" cmpd="sng">
-                      <a:noFill/>
-                      <a:prstDash val="solid"/>
-                    </a:lnTlToBr>
-                    <a:lnBlToTr w="12700" cmpd="sng">
-                      <a:noFill/>
-                      <a:prstDash val="solid"/>
-                    </a:lnBlToTr>
-                    <a:noFill/>
-                  </a:tcPr>
-                </a:tc>
-                <a:tc>
-                  <a:txBody>
-                    <a:bodyPr/>
-                    <a:lstStyle/>
-                    <a:p>
-                      <a:pPr marL="0" algn="ctr" defTabSz="914400" rtl="0" eaLnBrk="1" latinLnBrk="0" hangingPunct="1"/>
+                      <a:r>
+                        <a:rPr lang="en-US" sz="2400" b="0" i="1" kern="1200" dirty="0" smtClean="0">
+                          <a:solidFill>
+                            <a:schemeClr val="dk1"/>
+                          </a:solidFill>
+                          <a:latin typeface="Trebuchet MS" panose="020B0603020202020204" pitchFamily="34" charset="0"/>
+                          <a:ea typeface="+mn-ea"/>
+                          <a:cs typeface="+mn-cs"/>
+                        </a:rPr>
+                        <a:t>0.88</a:t>
+                      </a:r>
                       <a:endParaRPr lang="ru-RU" sz="2400" b="0" i="1" kern="1200" dirty="0">
                         <a:solidFill>
                           <a:schemeClr val="dk1"/>
@@ -29341,6 +29288,92 @@
                     <a:lstStyle/>
                     <a:p>
                       <a:pPr marL="0" algn="ctr" defTabSz="914400" rtl="0" eaLnBrk="1" latinLnBrk="0" hangingPunct="1"/>
+                      <a:r>
+                        <a:rPr lang="en-US" sz="2400" b="0" i="1" kern="1200" dirty="0" smtClean="0">
+                          <a:solidFill>
+                            <a:schemeClr val="dk1"/>
+                          </a:solidFill>
+                          <a:latin typeface="Trebuchet MS" panose="020B0603020202020204" pitchFamily="34" charset="0"/>
+                          <a:ea typeface="+mn-ea"/>
+                          <a:cs typeface="+mn-cs"/>
+                        </a:rPr>
+                        <a:t>0.84</a:t>
+                      </a:r>
+                      <a:endParaRPr lang="ru-RU" sz="2400" b="0" i="1" kern="1200" dirty="0">
+                        <a:solidFill>
+                          <a:schemeClr val="dk1"/>
+                        </a:solidFill>
+                        <a:latin typeface="Trebuchet MS" panose="020B0603020202020204" pitchFamily="34" charset="0"/>
+                        <a:ea typeface="+mn-ea"/>
+                        <a:cs typeface="+mn-cs"/>
+                      </a:endParaRPr>
+                    </a:p>
+                  </a:txBody>
+                  <a:tcPr marL="68580" marR="68580" marT="34290" marB="34290">
+                    <a:lnL w="12700" cap="flat" cmpd="sng" algn="ctr">
+                      <a:solidFill>
+                        <a:schemeClr val="tx1"/>
+                      </a:solidFill>
+                      <a:prstDash val="solid"/>
+                      <a:round/>
+                      <a:headEnd type="none" w="med" len="med"/>
+                      <a:tailEnd type="none" w="med" len="med"/>
+                    </a:lnL>
+                    <a:lnR w="12700" cap="flat" cmpd="sng" algn="ctr">
+                      <a:solidFill>
+                        <a:schemeClr val="tx1"/>
+                      </a:solidFill>
+                      <a:prstDash val="solid"/>
+                      <a:round/>
+                      <a:headEnd type="none" w="med" len="med"/>
+                      <a:tailEnd type="none" w="med" len="med"/>
+                    </a:lnR>
+                    <a:lnT w="12700" cap="flat" cmpd="sng" algn="ctr">
+                      <a:solidFill>
+                        <a:schemeClr val="tx1"/>
+                      </a:solidFill>
+                      <a:prstDash val="solid"/>
+                      <a:round/>
+                      <a:headEnd type="none" w="med" len="med"/>
+                      <a:tailEnd type="none" w="med" len="med"/>
+                    </a:lnT>
+                    <a:lnB w="12700" cap="flat" cmpd="sng" algn="ctr">
+                      <a:solidFill>
+                        <a:schemeClr val="tx1"/>
+                      </a:solidFill>
+                      <a:prstDash val="solid"/>
+                      <a:round/>
+                      <a:headEnd type="none" w="med" len="med"/>
+                      <a:tailEnd type="none" w="med" len="med"/>
+                    </a:lnB>
+                    <a:lnTlToBr w="12700" cmpd="sng">
+                      <a:noFill/>
+                      <a:prstDash val="solid"/>
+                    </a:lnTlToBr>
+                    <a:lnBlToTr w="12700" cmpd="sng">
+                      <a:noFill/>
+                      <a:prstDash val="solid"/>
+                    </a:lnBlToTr>
+                    <a:noFill/>
+                  </a:tcPr>
+                </a:tc>
+                <a:tc>
+                  <a:txBody>
+                    <a:bodyPr/>
+                    <a:lstStyle/>
+                    <a:p>
+                      <a:pPr marL="0" algn="ctr" defTabSz="914400" rtl="0" eaLnBrk="1" latinLnBrk="0" hangingPunct="1"/>
+                      <a:r>
+                        <a:rPr lang="en-US" sz="2400" b="0" i="1" kern="1200" dirty="0" smtClean="0">
+                          <a:solidFill>
+                            <a:schemeClr val="dk1"/>
+                          </a:solidFill>
+                          <a:latin typeface="Trebuchet MS" panose="020B0603020202020204" pitchFamily="34" charset="0"/>
+                          <a:ea typeface="+mn-ea"/>
+                          <a:cs typeface="+mn-cs"/>
+                        </a:rPr>
+                        <a:t>0.8</a:t>
+                      </a:r>
                       <a:endParaRPr lang="ru-RU" sz="2400" b="0" i="1" kern="1200" dirty="0">
                         <a:solidFill>
                           <a:schemeClr val="dk1"/>
@@ -29472,7 +29505,18 @@
                     <a:lstStyle/>
                     <a:p>
                       <a:pPr marL="0" algn="ctr" defTabSz="914400" rtl="0" eaLnBrk="1" latinLnBrk="0" hangingPunct="1"/>
-                      <a:endParaRPr lang="ru-RU" sz="2400" b="0" i="1" kern="1200">
+                      <a:r>
+                        <a:rPr lang="en-US" sz="2400" b="0" i="1" kern="1200" dirty="0" smtClean="0">
+                          <a:solidFill>
+                            <a:schemeClr val="dk1"/>
+                          </a:solidFill>
+                          <a:latin typeface="Trebuchet MS" panose="020B0603020202020204" pitchFamily="34" charset="0"/>
+                          <a:ea typeface="+mn-ea"/>
+                          <a:cs typeface="+mn-cs"/>
+                        </a:rPr>
+                        <a:t>0.87</a:t>
+                      </a:r>
+                      <a:endParaRPr lang="ru-RU" sz="2400" b="0" i="1" kern="1200" dirty="0">
                         <a:solidFill>
                           <a:schemeClr val="dk1"/>
                         </a:solidFill>
@@ -29536,7 +29580,18 @@
                     <a:lstStyle/>
                     <a:p>
                       <a:pPr marL="0" algn="ctr" defTabSz="914400" rtl="0" eaLnBrk="1" latinLnBrk="0" hangingPunct="1"/>
-                      <a:endParaRPr lang="ru-RU" sz="2400" b="0" i="1" kern="1200">
+                      <a:r>
+                        <a:rPr lang="en-US" sz="2400" b="0" i="1" kern="1200" dirty="0" smtClean="0">
+                          <a:solidFill>
+                            <a:schemeClr val="dk1"/>
+                          </a:solidFill>
+                          <a:latin typeface="Trebuchet MS" panose="020B0603020202020204" pitchFamily="34" charset="0"/>
+                          <a:ea typeface="+mn-ea"/>
+                          <a:cs typeface="+mn-cs"/>
+                        </a:rPr>
+                        <a:t>0.84</a:t>
+                      </a:r>
+                      <a:endParaRPr lang="ru-RU" sz="2400" b="0" i="1" kern="1200" dirty="0">
                         <a:solidFill>
                           <a:schemeClr val="dk1"/>
                         </a:solidFill>
@@ -29600,6 +29655,17 @@
                     <a:lstStyle/>
                     <a:p>
                       <a:pPr marL="0" algn="ctr" defTabSz="914400" rtl="0" eaLnBrk="1" latinLnBrk="0" hangingPunct="1"/>
+                      <a:r>
+                        <a:rPr lang="en-US" sz="2400" b="0" i="1" kern="1200" dirty="0" smtClean="0">
+                          <a:solidFill>
+                            <a:schemeClr val="dk1"/>
+                          </a:solidFill>
+                          <a:latin typeface="Trebuchet MS" panose="020B0603020202020204" pitchFamily="34" charset="0"/>
+                          <a:ea typeface="+mn-ea"/>
+                          <a:cs typeface="+mn-cs"/>
+                        </a:rPr>
+                        <a:t>0.79</a:t>
+                      </a:r>
                       <a:endParaRPr lang="ru-RU" sz="2400" b="0" i="1" kern="1200" dirty="0">
                         <a:solidFill>
                           <a:schemeClr val="dk1"/>
